--- a/Python Level 2/Lesson 2/Session 2.pptx
+++ b/Python Level 2/Lesson 2/Session 2.pptx
@@ -164,10 +164,9 @@
           </a:lstStyle>
           <a:p>
             <a:r>
-              <a:rPr lang="en-US" smtClean="0"/>
+              <a:rPr lang="en-US"/>
               <a:t>Click to edit Master title style</a:t>
             </a:r>
-            <a:endParaRPr lang="en-US"/>
           </a:p>
         </p:txBody>
       </p:sp>
@@ -229,10 +228,9 @@
           </a:lstStyle>
           <a:p>
             <a:r>
-              <a:rPr lang="en-US" smtClean="0"/>
+              <a:rPr lang="en-US"/>
               <a:t>Click to edit Master subtitle style</a:t>
             </a:r>
-            <a:endParaRPr lang="en-US"/>
           </a:p>
         </p:txBody>
       </p:sp>
@@ -253,7 +251,7 @@
           <a:p>
             <a:fld id="{F86DE704-5A85-4041-9FC6-7273780BCBF6}" type="datetimeFigureOut">
               <a:rPr lang="en-US" smtClean="0"/>
-              <a:t>9/30/16</a:t>
+              <a:t>5/23/18</a:t>
             </a:fld>
             <a:endParaRPr lang="en-US"/>
           </a:p>
@@ -347,10 +345,9 @@
           <a:lstStyle/>
           <a:p>
             <a:r>
-              <a:rPr lang="en-US" smtClean="0"/>
+              <a:rPr lang="en-US"/>
               <a:t>Click to edit Master title style</a:t>
             </a:r>
-            <a:endParaRPr lang="en-US"/>
           </a:p>
         </p:txBody>
       </p:sp>
@@ -371,38 +368,37 @@
           <a:p>
             <a:pPr lvl="0"/>
             <a:r>
-              <a:rPr lang="en-US" smtClean="0"/>
+              <a:rPr lang="en-US"/>
               <a:t>Click to edit Master text styles</a:t>
             </a:r>
           </a:p>
           <a:p>
             <a:pPr lvl="1"/>
             <a:r>
-              <a:rPr lang="en-US" smtClean="0"/>
+              <a:rPr lang="en-US"/>
               <a:t>Second level</a:t>
             </a:r>
           </a:p>
           <a:p>
             <a:pPr lvl="2"/>
             <a:r>
-              <a:rPr lang="en-US" smtClean="0"/>
+              <a:rPr lang="en-US"/>
               <a:t>Third level</a:t>
             </a:r>
           </a:p>
           <a:p>
             <a:pPr lvl="3"/>
             <a:r>
-              <a:rPr lang="en-US" smtClean="0"/>
+              <a:rPr lang="en-US"/>
               <a:t>Fourth level</a:t>
             </a:r>
           </a:p>
           <a:p>
             <a:pPr lvl="4"/>
             <a:r>
-              <a:rPr lang="en-US" smtClean="0"/>
+              <a:rPr lang="en-US"/>
               <a:t>Fifth level</a:t>
             </a:r>
-            <a:endParaRPr lang="en-US"/>
           </a:p>
         </p:txBody>
       </p:sp>
@@ -423,7 +419,7 @@
           <a:p>
             <a:fld id="{F86DE704-5A85-4041-9FC6-7273780BCBF6}" type="datetimeFigureOut">
               <a:rPr lang="en-US" smtClean="0"/>
-              <a:t>9/30/16</a:t>
+              <a:t>5/23/18</a:t>
             </a:fld>
             <a:endParaRPr lang="en-US"/>
           </a:p>
@@ -522,10 +518,9 @@
           <a:lstStyle/>
           <a:p>
             <a:r>
-              <a:rPr lang="en-US" smtClean="0"/>
+              <a:rPr lang="en-US"/>
               <a:t>Click to edit Master title style</a:t>
             </a:r>
-            <a:endParaRPr lang="en-US"/>
           </a:p>
         </p:txBody>
       </p:sp>
@@ -551,38 +546,37 @@
           <a:p>
             <a:pPr lvl="0"/>
             <a:r>
-              <a:rPr lang="en-US" smtClean="0"/>
+              <a:rPr lang="en-US"/>
               <a:t>Click to edit Master text styles</a:t>
             </a:r>
           </a:p>
           <a:p>
             <a:pPr lvl="1"/>
             <a:r>
-              <a:rPr lang="en-US" smtClean="0"/>
+              <a:rPr lang="en-US"/>
               <a:t>Second level</a:t>
             </a:r>
           </a:p>
           <a:p>
             <a:pPr lvl="2"/>
             <a:r>
-              <a:rPr lang="en-US" smtClean="0"/>
+              <a:rPr lang="en-US"/>
               <a:t>Third level</a:t>
             </a:r>
           </a:p>
           <a:p>
             <a:pPr lvl="3"/>
             <a:r>
-              <a:rPr lang="en-US" smtClean="0"/>
+              <a:rPr lang="en-US"/>
               <a:t>Fourth level</a:t>
             </a:r>
           </a:p>
           <a:p>
             <a:pPr lvl="4"/>
             <a:r>
-              <a:rPr lang="en-US" smtClean="0"/>
+              <a:rPr lang="en-US"/>
               <a:t>Fifth level</a:t>
             </a:r>
-            <a:endParaRPr lang="en-US"/>
           </a:p>
         </p:txBody>
       </p:sp>
@@ -603,7 +597,7 @@
           <a:p>
             <a:fld id="{F86DE704-5A85-4041-9FC6-7273780BCBF6}" type="datetimeFigureOut">
               <a:rPr lang="en-US" smtClean="0"/>
-              <a:t>9/30/16</a:t>
+              <a:t>5/23/18</a:t>
             </a:fld>
             <a:endParaRPr lang="en-US"/>
           </a:p>
@@ -697,10 +691,9 @@
           <a:lstStyle/>
           <a:p>
             <a:r>
-              <a:rPr lang="en-US" smtClean="0"/>
+              <a:rPr lang="en-US"/>
               <a:t>Click to edit Master title style</a:t>
             </a:r>
-            <a:endParaRPr lang="en-US"/>
           </a:p>
         </p:txBody>
       </p:sp>
@@ -721,38 +714,37 @@
           <a:p>
             <a:pPr lvl="0"/>
             <a:r>
-              <a:rPr lang="en-US" smtClean="0"/>
+              <a:rPr lang="en-US"/>
               <a:t>Click to edit Master text styles</a:t>
             </a:r>
           </a:p>
           <a:p>
             <a:pPr lvl="1"/>
             <a:r>
-              <a:rPr lang="en-US" smtClean="0"/>
+              <a:rPr lang="en-US"/>
               <a:t>Second level</a:t>
             </a:r>
           </a:p>
           <a:p>
             <a:pPr lvl="2"/>
             <a:r>
-              <a:rPr lang="en-US" smtClean="0"/>
+              <a:rPr lang="en-US"/>
               <a:t>Third level</a:t>
             </a:r>
           </a:p>
           <a:p>
             <a:pPr lvl="3"/>
             <a:r>
-              <a:rPr lang="en-US" smtClean="0"/>
+              <a:rPr lang="en-US"/>
               <a:t>Fourth level</a:t>
             </a:r>
           </a:p>
           <a:p>
             <a:pPr lvl="4"/>
             <a:r>
-              <a:rPr lang="en-US" smtClean="0"/>
+              <a:rPr lang="en-US"/>
               <a:t>Fifth level</a:t>
             </a:r>
-            <a:endParaRPr lang="en-US"/>
           </a:p>
         </p:txBody>
       </p:sp>
@@ -773,7 +765,7 @@
           <a:p>
             <a:fld id="{F86DE704-5A85-4041-9FC6-7273780BCBF6}" type="datetimeFigureOut">
               <a:rPr lang="en-US" smtClean="0"/>
-              <a:t>9/30/16</a:t>
+              <a:t>5/23/18</a:t>
             </a:fld>
             <a:endParaRPr lang="en-US"/>
           </a:p>
@@ -876,10 +868,9 @@
           </a:lstStyle>
           <a:p>
             <a:r>
-              <a:rPr lang="en-US" smtClean="0"/>
+              <a:rPr lang="en-US"/>
               <a:t>Click to edit Master title style</a:t>
             </a:r>
-            <a:endParaRPr lang="en-US"/>
           </a:p>
         </p:txBody>
       </p:sp>
@@ -996,7 +987,7 @@
           <a:p>
             <a:pPr lvl="0"/>
             <a:r>
-              <a:rPr lang="en-US" smtClean="0"/>
+              <a:rPr lang="en-US"/>
               <a:t>Click to edit Master text styles</a:t>
             </a:r>
           </a:p>
@@ -1019,7 +1010,7 @@
           <a:p>
             <a:fld id="{F86DE704-5A85-4041-9FC6-7273780BCBF6}" type="datetimeFigureOut">
               <a:rPr lang="en-US" smtClean="0"/>
-              <a:t>9/30/16</a:t>
+              <a:t>5/23/18</a:t>
             </a:fld>
             <a:endParaRPr lang="en-US"/>
           </a:p>
@@ -1113,10 +1104,9 @@
           <a:lstStyle/>
           <a:p>
             <a:r>
-              <a:rPr lang="en-US" smtClean="0"/>
+              <a:rPr lang="en-US"/>
               <a:t>Click to edit Master title style</a:t>
             </a:r>
-            <a:endParaRPr lang="en-US"/>
           </a:p>
         </p:txBody>
       </p:sp>
@@ -1142,38 +1132,37 @@
           <a:p>
             <a:pPr lvl="0"/>
             <a:r>
-              <a:rPr lang="en-US" smtClean="0"/>
+              <a:rPr lang="en-US"/>
               <a:t>Click to edit Master text styles</a:t>
             </a:r>
           </a:p>
           <a:p>
             <a:pPr lvl="1"/>
             <a:r>
-              <a:rPr lang="en-US" smtClean="0"/>
+              <a:rPr lang="en-US"/>
               <a:t>Second level</a:t>
             </a:r>
           </a:p>
           <a:p>
             <a:pPr lvl="2"/>
             <a:r>
-              <a:rPr lang="en-US" smtClean="0"/>
+              <a:rPr lang="en-US"/>
               <a:t>Third level</a:t>
             </a:r>
           </a:p>
           <a:p>
             <a:pPr lvl="3"/>
             <a:r>
-              <a:rPr lang="en-US" smtClean="0"/>
+              <a:rPr lang="en-US"/>
               <a:t>Fourth level</a:t>
             </a:r>
           </a:p>
           <a:p>
             <a:pPr lvl="4"/>
             <a:r>
-              <a:rPr lang="en-US" smtClean="0"/>
+              <a:rPr lang="en-US"/>
               <a:t>Fifth level</a:t>
             </a:r>
-            <a:endParaRPr lang="en-US"/>
           </a:p>
         </p:txBody>
       </p:sp>
@@ -1199,38 +1188,37 @@
           <a:p>
             <a:pPr lvl="0"/>
             <a:r>
-              <a:rPr lang="en-US" smtClean="0"/>
+              <a:rPr lang="en-US"/>
               <a:t>Click to edit Master text styles</a:t>
             </a:r>
           </a:p>
           <a:p>
             <a:pPr lvl="1"/>
             <a:r>
-              <a:rPr lang="en-US" smtClean="0"/>
+              <a:rPr lang="en-US"/>
               <a:t>Second level</a:t>
             </a:r>
           </a:p>
           <a:p>
             <a:pPr lvl="2"/>
             <a:r>
-              <a:rPr lang="en-US" smtClean="0"/>
+              <a:rPr lang="en-US"/>
               <a:t>Third level</a:t>
             </a:r>
           </a:p>
           <a:p>
             <a:pPr lvl="3"/>
             <a:r>
-              <a:rPr lang="en-US" smtClean="0"/>
+              <a:rPr lang="en-US"/>
               <a:t>Fourth level</a:t>
             </a:r>
           </a:p>
           <a:p>
             <a:pPr lvl="4"/>
             <a:r>
-              <a:rPr lang="en-US" smtClean="0"/>
+              <a:rPr lang="en-US"/>
               <a:t>Fifth level</a:t>
             </a:r>
-            <a:endParaRPr lang="en-US"/>
           </a:p>
         </p:txBody>
       </p:sp>
@@ -1251,7 +1239,7 @@
           <a:p>
             <a:fld id="{F86DE704-5A85-4041-9FC6-7273780BCBF6}" type="datetimeFigureOut">
               <a:rPr lang="en-US" smtClean="0"/>
-              <a:t>9/30/16</a:t>
+              <a:t>5/23/18</a:t>
             </a:fld>
             <a:endParaRPr lang="en-US"/>
           </a:p>
@@ -1350,10 +1338,9 @@
           <a:lstStyle/>
           <a:p>
             <a:r>
-              <a:rPr lang="en-US" smtClean="0"/>
+              <a:rPr lang="en-US"/>
               <a:t>Click to edit Master title style</a:t>
             </a:r>
-            <a:endParaRPr lang="en-US"/>
           </a:p>
         </p:txBody>
       </p:sp>
@@ -1416,7 +1403,7 @@
           <a:p>
             <a:pPr lvl="0"/>
             <a:r>
-              <a:rPr lang="en-US" smtClean="0"/>
+              <a:rPr lang="en-US"/>
               <a:t>Click to edit Master text styles</a:t>
             </a:r>
           </a:p>
@@ -1444,38 +1431,37 @@
           <a:p>
             <a:pPr lvl="0"/>
             <a:r>
-              <a:rPr lang="en-US" smtClean="0"/>
+              <a:rPr lang="en-US"/>
               <a:t>Click to edit Master text styles</a:t>
             </a:r>
           </a:p>
           <a:p>
             <a:pPr lvl="1"/>
             <a:r>
-              <a:rPr lang="en-US" smtClean="0"/>
+              <a:rPr lang="en-US"/>
               <a:t>Second level</a:t>
             </a:r>
           </a:p>
           <a:p>
             <a:pPr lvl="2"/>
             <a:r>
-              <a:rPr lang="en-US" smtClean="0"/>
+              <a:rPr lang="en-US"/>
               <a:t>Third level</a:t>
             </a:r>
           </a:p>
           <a:p>
             <a:pPr lvl="3"/>
             <a:r>
-              <a:rPr lang="en-US" smtClean="0"/>
+              <a:rPr lang="en-US"/>
               <a:t>Fourth level</a:t>
             </a:r>
           </a:p>
           <a:p>
             <a:pPr lvl="4"/>
             <a:r>
-              <a:rPr lang="en-US" smtClean="0"/>
+              <a:rPr lang="en-US"/>
               <a:t>Fifth level</a:t>
             </a:r>
-            <a:endParaRPr lang="en-US"/>
           </a:p>
         </p:txBody>
       </p:sp>
@@ -1538,7 +1524,7 @@
           <a:p>
             <a:pPr lvl="0"/>
             <a:r>
-              <a:rPr lang="en-US" smtClean="0"/>
+              <a:rPr lang="en-US"/>
               <a:t>Click to edit Master text styles</a:t>
             </a:r>
           </a:p>
@@ -1566,38 +1552,37 @@
           <a:p>
             <a:pPr lvl="0"/>
             <a:r>
-              <a:rPr lang="en-US" smtClean="0"/>
+              <a:rPr lang="en-US"/>
               <a:t>Click to edit Master text styles</a:t>
             </a:r>
           </a:p>
           <a:p>
             <a:pPr lvl="1"/>
             <a:r>
-              <a:rPr lang="en-US" smtClean="0"/>
+              <a:rPr lang="en-US"/>
               <a:t>Second level</a:t>
             </a:r>
           </a:p>
           <a:p>
             <a:pPr lvl="2"/>
             <a:r>
-              <a:rPr lang="en-US" smtClean="0"/>
+              <a:rPr lang="en-US"/>
               <a:t>Third level</a:t>
             </a:r>
           </a:p>
           <a:p>
             <a:pPr lvl="3"/>
             <a:r>
-              <a:rPr lang="en-US" smtClean="0"/>
+              <a:rPr lang="en-US"/>
               <a:t>Fourth level</a:t>
             </a:r>
           </a:p>
           <a:p>
             <a:pPr lvl="4"/>
             <a:r>
-              <a:rPr lang="en-US" smtClean="0"/>
+              <a:rPr lang="en-US"/>
               <a:t>Fifth level</a:t>
             </a:r>
-            <a:endParaRPr lang="en-US"/>
           </a:p>
         </p:txBody>
       </p:sp>
@@ -1618,7 +1603,7 @@
           <a:p>
             <a:fld id="{F86DE704-5A85-4041-9FC6-7273780BCBF6}" type="datetimeFigureOut">
               <a:rPr lang="en-US" smtClean="0"/>
-              <a:t>9/30/16</a:t>
+              <a:t>5/23/18</a:t>
             </a:fld>
             <a:endParaRPr lang="en-US"/>
           </a:p>
@@ -1712,10 +1697,9 @@
           <a:lstStyle/>
           <a:p>
             <a:r>
-              <a:rPr lang="en-US" smtClean="0"/>
+              <a:rPr lang="en-US"/>
               <a:t>Click to edit Master title style</a:t>
             </a:r>
-            <a:endParaRPr lang="en-US"/>
           </a:p>
         </p:txBody>
       </p:sp>
@@ -1736,7 +1720,7 @@
           <a:p>
             <a:fld id="{F86DE704-5A85-4041-9FC6-7273780BCBF6}" type="datetimeFigureOut">
               <a:rPr lang="en-US" smtClean="0"/>
-              <a:t>9/30/16</a:t>
+              <a:t>5/23/18</a:t>
             </a:fld>
             <a:endParaRPr lang="en-US"/>
           </a:p>
@@ -1831,7 +1815,7 @@
           <a:p>
             <a:fld id="{F86DE704-5A85-4041-9FC6-7273780BCBF6}" type="datetimeFigureOut">
               <a:rPr lang="en-US" smtClean="0"/>
-              <a:t>9/30/16</a:t>
+              <a:t>5/23/18</a:t>
             </a:fld>
             <a:endParaRPr lang="en-US"/>
           </a:p>
@@ -1934,10 +1918,9 @@
           </a:lstStyle>
           <a:p>
             <a:r>
-              <a:rPr lang="en-US" smtClean="0"/>
+              <a:rPr lang="en-US"/>
               <a:t>Click to edit Master title style</a:t>
             </a:r>
-            <a:endParaRPr lang="en-US"/>
           </a:p>
         </p:txBody>
       </p:sp>
@@ -1991,38 +1974,37 @@
           <a:p>
             <a:pPr lvl="0"/>
             <a:r>
-              <a:rPr lang="en-US" smtClean="0"/>
+              <a:rPr lang="en-US"/>
               <a:t>Click to edit Master text styles</a:t>
             </a:r>
           </a:p>
           <a:p>
             <a:pPr lvl="1"/>
             <a:r>
-              <a:rPr lang="en-US" smtClean="0"/>
+              <a:rPr lang="en-US"/>
               <a:t>Second level</a:t>
             </a:r>
           </a:p>
           <a:p>
             <a:pPr lvl="2"/>
             <a:r>
-              <a:rPr lang="en-US" smtClean="0"/>
+              <a:rPr lang="en-US"/>
               <a:t>Third level</a:t>
             </a:r>
           </a:p>
           <a:p>
             <a:pPr lvl="3"/>
             <a:r>
-              <a:rPr lang="en-US" smtClean="0"/>
+              <a:rPr lang="en-US"/>
               <a:t>Fourth level</a:t>
             </a:r>
           </a:p>
           <a:p>
             <a:pPr lvl="4"/>
             <a:r>
-              <a:rPr lang="en-US" smtClean="0"/>
+              <a:rPr lang="en-US"/>
               <a:t>Fifth level</a:t>
             </a:r>
-            <a:endParaRPr lang="en-US"/>
           </a:p>
         </p:txBody>
       </p:sp>
@@ -2085,7 +2067,7 @@
           <a:p>
             <a:pPr lvl="0"/>
             <a:r>
-              <a:rPr lang="en-US" smtClean="0"/>
+              <a:rPr lang="en-US"/>
               <a:t>Click to edit Master text styles</a:t>
             </a:r>
           </a:p>
@@ -2108,7 +2090,7 @@
           <a:p>
             <a:fld id="{F86DE704-5A85-4041-9FC6-7273780BCBF6}" type="datetimeFigureOut">
               <a:rPr lang="en-US" smtClean="0"/>
-              <a:t>9/30/16</a:t>
+              <a:t>5/23/18</a:t>
             </a:fld>
             <a:endParaRPr lang="en-US"/>
           </a:p>
@@ -2211,10 +2193,9 @@
           </a:lstStyle>
           <a:p>
             <a:r>
-              <a:rPr lang="en-US" smtClean="0"/>
+              <a:rPr lang="en-US"/>
               <a:t>Click to edit Master title style</a:t>
             </a:r>
-            <a:endParaRPr lang="en-US"/>
           </a:p>
         </p:txBody>
       </p:sp>
@@ -2338,7 +2319,7 @@
           <a:p>
             <a:pPr lvl="0"/>
             <a:r>
-              <a:rPr lang="en-US" smtClean="0"/>
+              <a:rPr lang="en-US"/>
               <a:t>Click to edit Master text styles</a:t>
             </a:r>
           </a:p>
@@ -2361,7 +2342,7 @@
           <a:p>
             <a:fld id="{F86DE704-5A85-4041-9FC6-7273780BCBF6}" type="datetimeFigureOut">
               <a:rPr lang="en-US" smtClean="0"/>
-              <a:t>9/30/16</a:t>
+              <a:t>5/23/18</a:t>
             </a:fld>
             <a:endParaRPr lang="en-US"/>
           </a:p>
@@ -2470,10 +2451,9 @@
           <a:lstStyle/>
           <a:p>
             <a:r>
-              <a:rPr lang="en-US" smtClean="0"/>
+              <a:rPr lang="en-US"/>
               <a:t>Click to edit Master title style</a:t>
             </a:r>
-            <a:endParaRPr lang="en-US"/>
           </a:p>
         </p:txBody>
       </p:sp>
@@ -2504,38 +2484,37 @@
           <a:p>
             <a:pPr lvl="0"/>
             <a:r>
-              <a:rPr lang="en-US" smtClean="0"/>
+              <a:rPr lang="en-US"/>
               <a:t>Click to edit Master text styles</a:t>
             </a:r>
           </a:p>
           <a:p>
             <a:pPr lvl="1"/>
             <a:r>
-              <a:rPr lang="en-US" smtClean="0"/>
+              <a:rPr lang="en-US"/>
               <a:t>Second level</a:t>
             </a:r>
           </a:p>
           <a:p>
             <a:pPr lvl="2"/>
             <a:r>
-              <a:rPr lang="en-US" smtClean="0"/>
+              <a:rPr lang="en-US"/>
               <a:t>Third level</a:t>
             </a:r>
           </a:p>
           <a:p>
             <a:pPr lvl="3"/>
             <a:r>
-              <a:rPr lang="en-US" smtClean="0"/>
+              <a:rPr lang="en-US"/>
               <a:t>Fourth level</a:t>
             </a:r>
           </a:p>
           <a:p>
             <a:pPr lvl="4"/>
             <a:r>
-              <a:rPr lang="en-US" smtClean="0"/>
+              <a:rPr lang="en-US"/>
               <a:t>Fifth level</a:t>
             </a:r>
-            <a:endParaRPr lang="en-US"/>
           </a:p>
         </p:txBody>
       </p:sp>
@@ -2574,7 +2553,7 @@
           <a:p>
             <a:fld id="{F86DE704-5A85-4041-9FC6-7273780BCBF6}" type="datetimeFigureOut">
               <a:rPr lang="en-US" smtClean="0"/>
-              <a:t>9/30/16</a:t>
+              <a:t>5/23/18</a:t>
             </a:fld>
             <a:endParaRPr lang="en-US"/>
           </a:p>
@@ -3032,10 +3011,9 @@
           <a:lstStyle/>
           <a:p>
             <a:r>
-              <a:rPr lang="en-US" sz="4000" dirty="0" smtClean="0"/>
+              <a:rPr lang="en-US" sz="4000" dirty="0"/>
               <a:t>Python Level 2</a:t>
             </a:r>
-            <a:endParaRPr lang="en-US" sz="4000" dirty="0"/>
           </a:p>
         </p:txBody>
       </p:sp>
@@ -3063,10 +3041,9 @@
           <a:p>
             <a:pPr algn="ctr"/>
             <a:r>
-              <a:rPr lang="en-US" sz="2800" dirty="0" smtClean="0"/>
+              <a:rPr lang="en-US" sz="2800" dirty="0"/>
               <a:t>Lesson 2: Building libraries</a:t>
             </a:r>
-            <a:endParaRPr lang="en-US" sz="2800" dirty="0"/>
           </a:p>
         </p:txBody>
       </p:sp>
@@ -3331,7 +3308,7 @@
           </a:lstStyle>
           <a:p>
             <a:r>
-              <a:rPr lang="en-US" dirty="0" smtClean="0"/>
+              <a:rPr lang="en-US" dirty="0"/>
               <a:t>What does the triple-quoted string do?</a:t>
             </a:r>
           </a:p>
@@ -3339,7 +3316,7 @@
             <a:endParaRPr lang="en-US" dirty="0"/>
           </a:p>
           <a:p>
-            <a:endParaRPr lang="en-US" dirty="0" smtClean="0"/>
+            <a:endParaRPr lang="en-US" dirty="0"/>
           </a:p>
         </p:txBody>
       </p:sp>
@@ -3360,10 +3337,9 @@
           <a:p>
             <a:pPr algn="ctr"/>
             <a:r>
-              <a:rPr lang="en-US" dirty="0" smtClean="0"/>
+              <a:rPr lang="en-US" dirty="0"/>
               <a:t>Taking the Doc to the library</a:t>
             </a:r>
-            <a:endParaRPr lang="en-US" dirty="0"/>
           </a:p>
         </p:txBody>
       </p:sp>
@@ -3473,11 +3449,11 @@
           <a:p>
             <a:pPr algn="ctr"/>
             <a:r>
-              <a:rPr lang="en-US" dirty="0" smtClean="0"/>
+              <a:rPr lang="en-US" dirty="0"/>
               <a:t>Bonus points / Homework</a:t>
             </a:r>
             <a:r>
-              <a:rPr lang="is-IS" dirty="0" smtClean="0"/>
+              <a:rPr lang="is-IS" dirty="0"/>
               <a:t>…</a:t>
             </a:r>
             <a:endParaRPr lang="en-US" dirty="0"/>
@@ -3500,35 +3476,26 @@
           <a:lstStyle/>
           <a:p>
             <a:r>
-              <a:rPr lang="en-US" dirty="0" smtClean="0"/>
-              <a:t>Move the load / save CSV functions to your function library </a:t>
-            </a:r>
-            <a:r>
-              <a:rPr lang="en-US" dirty="0" smtClean="0"/>
-              <a:t>file</a:t>
+              <a:rPr lang="en-US" dirty="0"/>
+              <a:t>Move the load / save CSV functions to your function library file</a:t>
             </a:r>
           </a:p>
           <a:p>
             <a:pPr lvl="1"/>
             <a:r>
-              <a:rPr lang="en-US" dirty="0" smtClean="0"/>
-              <a:t>What sort of problems do we encounter </a:t>
-            </a:r>
-            <a:r>
-              <a:rPr lang="en-US" smtClean="0"/>
-              <a:t>when we do this?</a:t>
-            </a:r>
-            <a:endParaRPr lang="en-US" dirty="0" smtClean="0"/>
+              <a:rPr lang="en-US" dirty="0"/>
+              <a:t>What sort of problems do we encounter when we do this?</a:t>
+            </a:r>
           </a:p>
           <a:p>
             <a:endParaRPr lang="en-US" dirty="0"/>
           </a:p>
           <a:p>
-            <a:endParaRPr lang="en-US" dirty="0" smtClean="0"/>
-          </a:p>
-          <a:p>
-            <a:r>
-              <a:rPr lang="en-US" dirty="0" smtClean="0"/>
+            <a:endParaRPr lang="en-US" dirty="0"/>
+          </a:p>
+          <a:p>
+            <a:r>
+              <a:rPr lang="en-US" dirty="0"/>
               <a:t>Next week: getting classy</a:t>
             </a:r>
           </a:p>
@@ -3591,10 +3558,9 @@
           <a:p>
             <a:pPr algn="ctr"/>
             <a:r>
-              <a:rPr lang="en-US" dirty="0" smtClean="0"/>
+              <a:rPr lang="en-US" strike="sngStrike" dirty="0"/>
               <a:t>Questions? Comments? Come see us in S32, on Monday, 11:00 – 12:00</a:t>
             </a:r>
-            <a:endParaRPr lang="en-US" dirty="0"/>
           </a:p>
         </p:txBody>
       </p:sp>
@@ -3645,10 +3611,9 @@
           <a:p>
             <a:pPr algn="ctr"/>
             <a:r>
-              <a:rPr lang="en-US" dirty="0" smtClean="0"/>
+              <a:rPr lang="en-US" dirty="0"/>
               <a:t>Revisiting Last Week</a:t>
             </a:r>
-            <a:endParaRPr lang="en-US" dirty="0"/>
           </a:p>
         </p:txBody>
       </p:sp>
@@ -3793,77 +3758,76 @@
           <a:p>
             <a:pPr algn="ctr"/>
             <a:r>
-              <a:rPr lang="en-US" dirty="0" smtClean="0"/>
+              <a:rPr lang="en-US" dirty="0"/>
               <a:t>What now?</a:t>
             </a:r>
+          </a:p>
+        </p:txBody>
+      </p:sp>
+      <p:sp>
+        <p:nvSpPr>
+          <p:cNvPr id="3" name="Content Placeholder 2"/>
+          <p:cNvSpPr>
+            <a:spLocks noGrp="1"/>
+          </p:cNvSpPr>
+          <p:nvPr>
+            <p:ph idx="1"/>
+          </p:nvPr>
+        </p:nvSpPr>
+        <p:spPr/>
+        <p:txBody>
+          <a:bodyPr/>
+          <a:lstStyle/>
+          <a:p>
+            <a:r>
+              <a:rPr lang="en-US" dirty="0"/>
+              <a:t>Being able to ensure a number is between bounds might be useful in other places:</a:t>
+            </a:r>
+          </a:p>
+          <a:p>
+            <a:pPr lvl="1"/>
+            <a:r>
+              <a:rPr lang="en-US" dirty="0"/>
+              <a:t>Cost is rated 1-5 too!</a:t>
+            </a:r>
+          </a:p>
+          <a:p>
+            <a:pPr lvl="1"/>
+            <a:r>
+              <a:rPr lang="en-US" dirty="0"/>
+              <a:t>Negative numbers for distance, maybe?</a:t>
+            </a:r>
+          </a:p>
+          <a:p>
             <a:endParaRPr lang="en-US" dirty="0"/>
           </a:p>
-        </p:txBody>
-      </p:sp>
-      <p:sp>
-        <p:nvSpPr>
-          <p:cNvPr id="3" name="Content Placeholder 2"/>
-          <p:cNvSpPr>
-            <a:spLocks noGrp="1"/>
-          </p:cNvSpPr>
-          <p:nvPr>
-            <p:ph idx="1"/>
-          </p:nvPr>
-        </p:nvSpPr>
-        <p:spPr/>
-        <p:txBody>
-          <a:bodyPr/>
-          <a:lstStyle/>
-          <a:p>
-            <a:r>
-              <a:rPr lang="en-US" dirty="0" smtClean="0"/>
-              <a:t>Being able to ensure a number is between bounds might be useful in other places:</a:t>
-            </a:r>
-          </a:p>
-          <a:p>
-            <a:pPr lvl="1"/>
-            <a:r>
-              <a:rPr lang="en-US" dirty="0" smtClean="0"/>
-              <a:t>Cost is rated 1-5 too!</a:t>
-            </a:r>
-          </a:p>
-          <a:p>
-            <a:pPr lvl="1"/>
-            <a:r>
-              <a:rPr lang="en-US" dirty="0" smtClean="0"/>
-              <a:t>Negative numbers for distance, maybe?</a:t>
-            </a:r>
-          </a:p>
-          <a:p>
-            <a:endParaRPr lang="en-US" dirty="0" smtClean="0"/>
-          </a:p>
-          <a:p>
-            <a:r>
-              <a:rPr lang="en-US" dirty="0" smtClean="0"/>
+          <a:p>
+            <a:r>
+              <a:rPr lang="en-US" dirty="0"/>
               <a:t>Write a function that does this instead</a:t>
             </a:r>
           </a:p>
           <a:p>
-            <a:endParaRPr lang="en-US" dirty="0" smtClean="0"/>
-          </a:p>
-          <a:p>
-            <a:r>
-              <a:rPr lang="en-US" dirty="0" smtClean="0"/>
+            <a:endParaRPr lang="en-US" dirty="0"/>
+          </a:p>
+          <a:p>
+            <a:r>
+              <a:rPr lang="en-US" dirty="0"/>
               <a:t>It should take 3 arguments: lower and upper bounds, </a:t>
             </a:r>
             <a:br>
-              <a:rPr lang="en-US" dirty="0" smtClean="0"/>
+              <a:rPr lang="en-US" dirty="0"/>
             </a:br>
             <a:r>
-              <a:rPr lang="en-US" dirty="0" smtClean="0"/>
+              <a:rPr lang="en-US" dirty="0"/>
               <a:t>value to check</a:t>
             </a:r>
           </a:p>
           <a:p>
-            <a:endParaRPr lang="en-US" dirty="0" smtClean="0"/>
-          </a:p>
-          <a:p>
-            <a:endParaRPr lang="en-US" dirty="0" smtClean="0"/>
+            <a:endParaRPr lang="en-US" dirty="0"/>
+          </a:p>
+          <a:p>
+            <a:endParaRPr lang="en-US" dirty="0"/>
           </a:p>
         </p:txBody>
       </p:sp>
@@ -3944,10 +3908,9 @@
           <a:p>
             <a:pPr algn="ctr"/>
             <a:r>
-              <a:rPr lang="en-US" dirty="0" smtClean="0"/>
+              <a:rPr lang="en-US" dirty="0"/>
               <a:t>Verifying a Value</a:t>
             </a:r>
-            <a:endParaRPr lang="en-US" dirty="0"/>
           </a:p>
         </p:txBody>
       </p:sp>
@@ -3967,7 +3930,7 @@
           <a:lstStyle/>
           <a:p>
             <a:r>
-              <a:rPr lang="en-US" dirty="0" smtClean="0"/>
+              <a:rPr lang="en-US" dirty="0"/>
               <a:t>Here’s a hint:</a:t>
             </a:r>
           </a:p>
@@ -4116,11 +4079,11 @@
           <a:p>
             <a:pPr algn="ctr"/>
             <a:r>
-              <a:rPr lang="en-GB" dirty="0" smtClean="0"/>
+              <a:rPr lang="en-GB" dirty="0"/>
               <a:t>Just in case</a:t>
             </a:r>
             <a:r>
-              <a:rPr lang="is-IS" dirty="0" smtClean="0"/>
+              <a:rPr lang="is-IS" dirty="0"/>
               <a:t>…</a:t>
             </a:r>
             <a:endParaRPr lang="en-US" dirty="0"/>
@@ -4148,11 +4111,11 @@
           <a:lstStyle/>
           <a:p>
             <a:r>
-              <a:rPr lang="en-US" dirty="0" smtClean="0"/>
+              <a:rPr lang="en-US" dirty="0"/>
               <a:t>That</a:t>
             </a:r>
             <a:r>
-              <a:rPr lang="en-US" dirty="0" smtClean="0">
+              <a:rPr lang="en-US" dirty="0">
                 <a:latin typeface="Consolas" charset="0"/>
                 <a:ea typeface="Consolas" charset="0"/>
                 <a:cs typeface="Consolas" charset="0"/>
@@ -4160,7 +4123,7 @@
               <a:t> if </a:t>
             </a:r>
             <a:r>
-              <a:rPr lang="en-US" dirty="0" smtClean="0"/>
+              <a:rPr lang="en-US" dirty="0"/>
               <a:t>statement to select from the main menu is getting pretty unwieldy</a:t>
             </a:r>
           </a:p>
@@ -4169,10 +4132,9 @@
           </a:p>
           <a:p>
             <a:r>
-              <a:rPr lang="en-US" dirty="0" smtClean="0"/>
+              <a:rPr lang="en-US" dirty="0"/>
               <a:t>Any suggestions?</a:t>
             </a:r>
-            <a:endParaRPr lang="en-US" dirty="0"/>
           </a:p>
         </p:txBody>
       </p:sp>
@@ -4253,11 +4215,11 @@
           <a:p>
             <a:pPr algn="ctr"/>
             <a:r>
-              <a:rPr lang="en-US" dirty="0" smtClean="0"/>
+              <a:rPr lang="en-US" dirty="0"/>
               <a:t>Sacrificial </a:t>
             </a:r>
             <a:r>
-              <a:rPr lang="en-US" dirty="0" smtClean="0">
+              <a:rPr lang="en-US" dirty="0">
                 <a:latin typeface="Consolas" charset="0"/>
                 <a:ea typeface="Consolas" charset="0"/>
                 <a:cs typeface="Consolas" charset="0"/>
@@ -4325,11 +4287,11 @@
               <a:buChar char="•"/>
             </a:pPr>
             <a:r>
-              <a:rPr lang="en-US" dirty="0" smtClean="0"/>
+              <a:rPr lang="en-US" dirty="0"/>
               <a:t>A </a:t>
             </a:r>
             <a:r>
-              <a:rPr lang="en-US" dirty="0" smtClean="0">
+              <a:rPr lang="en-US" dirty="0">
                 <a:latin typeface="Consolas" charset="0"/>
                 <a:ea typeface="Consolas" charset="0"/>
                 <a:cs typeface="Consolas" charset="0"/>
@@ -4337,7 +4299,7 @@
               <a:t>lambda</a:t>
             </a:r>
             <a:r>
-              <a:rPr lang="en-US" dirty="0" smtClean="0"/>
+              <a:rPr lang="en-US" dirty="0"/>
               <a:t> is an expression that’s treated as if it were a function.</a:t>
             </a:r>
           </a:p>
@@ -4347,11 +4309,11 @@
               <a:buChar char="•"/>
             </a:pPr>
             <a:r>
-              <a:rPr lang="en-US" dirty="0" smtClean="0"/>
+              <a:rPr lang="en-US" dirty="0"/>
               <a:t>What happens if we miss the </a:t>
             </a:r>
             <a:r>
-              <a:rPr lang="en-US" dirty="0" smtClean="0">
+              <a:rPr lang="en-US" dirty="0">
                 <a:latin typeface="Consolas" charset="0"/>
                 <a:ea typeface="Consolas" charset="0"/>
                 <a:cs typeface="Consolas" charset="0"/>
@@ -4359,7 +4321,7 @@
               <a:t>lambda</a:t>
             </a:r>
             <a:r>
-              <a:rPr lang="en-US" dirty="0" smtClean="0"/>
+              <a:rPr lang="en-US" dirty="0"/>
               <a:t> keyword out?</a:t>
             </a:r>
           </a:p>
@@ -4369,7 +4331,7 @@
               <a:buChar char="•"/>
             </a:pPr>
             <a:r>
-              <a:rPr lang="en-US" dirty="0" smtClean="0"/>
+              <a:rPr lang="en-US" dirty="0"/>
               <a:t>What does the last line do?</a:t>
             </a:r>
           </a:p>
@@ -4386,7 +4348,7 @@
               <a:buChar char="•"/>
             </a:pPr>
             <a:r>
-              <a:rPr lang="en-US" dirty="0" smtClean="0"/>
+              <a:rPr lang="en-US" dirty="0"/>
               <a:t>There’s one major advantage gain by using a dictionary as a case statement. What is it?</a:t>
             </a:r>
           </a:p>
@@ -4475,10 +4437,9 @@
           <a:p>
             <a:pPr algn="ctr"/>
             <a:r>
-              <a:rPr lang="en-US" dirty="0" smtClean="0"/>
+              <a:rPr lang="en-US" dirty="0"/>
               <a:t>And what about this?</a:t>
             </a:r>
-            <a:endParaRPr lang="en-US" dirty="0"/>
           </a:p>
         </p:txBody>
       </p:sp>
@@ -4564,10 +4525,9 @@
           <a:lstStyle/>
           <a:p>
             <a:r>
-              <a:rPr lang="en-US" dirty="0" smtClean="0"/>
+              <a:rPr lang="en-US" dirty="0"/>
               <a:t>There’s more than enough evil in the world. Don’t do this.</a:t>
             </a:r>
-            <a:endParaRPr lang="en-US" dirty="0"/>
           </a:p>
         </p:txBody>
       </p:sp>
@@ -4618,10 +4578,9 @@
           <a:p>
             <a:pPr algn="ctr"/>
             <a:r>
-              <a:rPr lang="en-US" dirty="0" smtClean="0"/>
+              <a:rPr lang="en-US" dirty="0"/>
               <a:t>Back to the point</a:t>
             </a:r>
-            <a:endParaRPr lang="en-US" dirty="0"/>
           </a:p>
         </p:txBody>
       </p:sp>
@@ -4643,38 +4602,38 @@
           <a:lstStyle/>
           <a:p>
             <a:r>
-              <a:rPr lang="en-US" dirty="0" smtClean="0"/>
+              <a:rPr lang="en-US" dirty="0"/>
               <a:t>Remember these?</a:t>
             </a:r>
           </a:p>
           <a:p>
-            <a:endParaRPr lang="en-US" dirty="0" smtClean="0"/>
-          </a:p>
-          <a:p>
             <a:endParaRPr lang="en-US" dirty="0"/>
           </a:p>
           <a:p>
-            <a:endParaRPr lang="en-US" dirty="0" smtClean="0"/>
-          </a:p>
-          <a:p>
             <a:endParaRPr lang="en-US" dirty="0"/>
           </a:p>
           <a:p>
-            <a:endParaRPr lang="en-US" dirty="0" smtClean="0"/>
-          </a:p>
-          <a:p>
-            <a:r>
-              <a:rPr lang="en-US" dirty="0" smtClean="0"/>
+            <a:endParaRPr lang="en-US" dirty="0"/>
+          </a:p>
+          <a:p>
+            <a:endParaRPr lang="en-US" dirty="0"/>
+          </a:p>
+          <a:p>
+            <a:endParaRPr lang="en-US" dirty="0"/>
+          </a:p>
+          <a:p>
+            <a:r>
+              <a:rPr lang="en-US" dirty="0"/>
               <a:t>What do each of them do?</a:t>
             </a:r>
           </a:p>
           <a:p>
             <a:r>
-              <a:rPr lang="en-US" dirty="0" smtClean="0"/>
+              <a:rPr lang="en-US" dirty="0"/>
               <a:t>What does running </a:t>
             </a:r>
             <a:r>
-              <a:rPr lang="en-US" dirty="0" err="1" smtClean="0">
+              <a:rPr lang="en-US" dirty="0" err="1">
                 <a:solidFill>
                   <a:srgbClr val="000000"/>
                 </a:solidFill>
@@ -4685,7 +4644,7 @@
               <a:t>pydoc</a:t>
             </a:r>
             <a:r>
-              <a:rPr lang="en-US" dirty="0" smtClean="0">
+              <a:rPr lang="en-US" dirty="0">
                 <a:solidFill>
                   <a:srgbClr val="000000"/>
                 </a:solidFill>
@@ -4696,22 +4655,14 @@
               <a:t> csv </a:t>
             </a:r>
             <a:r>
-              <a:rPr lang="en-US" dirty="0" smtClean="0"/>
+              <a:rPr lang="en-US" dirty="0"/>
               <a:t>tell you?</a:t>
             </a:r>
           </a:p>
           <a:p>
             <a:r>
-              <a:rPr lang="en-US" dirty="0" smtClean="0"/>
+              <a:rPr lang="en-US" dirty="0"/>
               <a:t>Windows users: you might need </a:t>
-            </a:r>
-            <a:r>
-              <a:rPr lang="en-US" dirty="0" smtClean="0">
-                <a:latin typeface="Consolas" charset="0"/>
-                <a:ea typeface="Consolas" charset="0"/>
-                <a:cs typeface="Consolas" charset="0"/>
-              </a:rPr>
-              <a:t>python </a:t>
             </a:r>
             <a:r>
               <a:rPr lang="en-US" dirty="0">
@@ -4719,7 +4670,7 @@
                 <a:ea typeface="Consolas" charset="0"/>
                 <a:cs typeface="Consolas" charset="0"/>
               </a:rPr>
-              <a:t>-m </a:t>
+              <a:t>python -m </a:t>
             </a:r>
             <a:r>
               <a:rPr lang="en-US" dirty="0" err="1">
@@ -4735,21 +4686,8 @@
                 <a:ea typeface="Consolas" charset="0"/>
                 <a:cs typeface="Consolas" charset="0"/>
               </a:rPr>
-              <a:t> </a:t>
-            </a:r>
-            <a:r>
-              <a:rPr lang="en-US" dirty="0" smtClean="0">
-                <a:latin typeface="Consolas" charset="0"/>
-                <a:ea typeface="Consolas" charset="0"/>
-                <a:cs typeface="Consolas" charset="0"/>
-              </a:rPr>
-              <a:t>csv</a:t>
-            </a:r>
-            <a:endParaRPr lang="en-US" dirty="0">
-              <a:latin typeface="Consolas" charset="0"/>
-              <a:ea typeface="Consolas" charset="0"/>
-              <a:cs typeface="Consolas" charset="0"/>
-            </a:endParaRPr>
+              <a:t> csv</a:t>
+            </a:r>
           </a:p>
         </p:txBody>
       </p:sp>
@@ -4860,93 +4798,91 @@
           <a:p>
             <a:pPr algn="ctr"/>
             <a:r>
-              <a:rPr lang="en-US" dirty="0" smtClean="0"/>
+              <a:rPr lang="en-US" dirty="0"/>
               <a:t>Building a (small) library</a:t>
             </a:r>
+          </a:p>
+        </p:txBody>
+      </p:sp>
+      <p:sp>
+        <p:nvSpPr>
+          <p:cNvPr id="3" name="Content Placeholder 2"/>
+          <p:cNvSpPr>
+            <a:spLocks noGrp="1"/>
+          </p:cNvSpPr>
+          <p:nvPr>
+            <p:ph idx="1"/>
+          </p:nvPr>
+        </p:nvSpPr>
+        <p:spPr/>
+        <p:txBody>
+          <a:bodyPr/>
+          <a:lstStyle/>
+          <a:p>
+            <a:r>
+              <a:rPr lang="en-US" dirty="0"/>
+              <a:t>Move your </a:t>
+            </a:r>
+            <a:r>
+              <a:rPr lang="en-US" dirty="0" err="1"/>
+              <a:t>return_verified_value</a:t>
+            </a:r>
+            <a:r>
+              <a:rPr lang="en-US" dirty="0"/>
+              <a:t>() function to a separate file (in the same folder). </a:t>
+            </a:r>
+          </a:p>
+          <a:p>
+            <a:pPr lvl="1"/>
+            <a:r>
+              <a:rPr lang="en-US" dirty="0"/>
+              <a:t>Call your file “</a:t>
+            </a:r>
+            <a:r>
+              <a:rPr lang="en-US" dirty="0" err="1"/>
+              <a:t>shared.py</a:t>
+            </a:r>
+            <a:r>
+              <a:rPr lang="en-US" dirty="0"/>
+              <a:t>”.</a:t>
+            </a:r>
+          </a:p>
+          <a:p>
             <a:endParaRPr lang="en-US" dirty="0"/>
           </a:p>
-        </p:txBody>
-      </p:sp>
-      <p:sp>
-        <p:nvSpPr>
-          <p:cNvPr id="3" name="Content Placeholder 2"/>
-          <p:cNvSpPr>
-            <a:spLocks noGrp="1"/>
-          </p:cNvSpPr>
-          <p:nvPr>
-            <p:ph idx="1"/>
-          </p:nvPr>
-        </p:nvSpPr>
-        <p:spPr/>
-        <p:txBody>
-          <a:bodyPr/>
-          <a:lstStyle/>
-          <a:p>
-            <a:r>
-              <a:rPr lang="en-US" dirty="0" smtClean="0"/>
-              <a:t>Move your </a:t>
-            </a:r>
-            <a:r>
-              <a:rPr lang="en-US" dirty="0" err="1" smtClean="0"/>
+          <a:p>
+            <a:r>
+              <a:rPr lang="en-US" dirty="0"/>
+              <a:t>How can you call </a:t>
+            </a:r>
+            <a:r>
+              <a:rPr lang="en-US" dirty="0" err="1"/>
               <a:t>return_verified_value</a:t>
             </a:r>
             <a:r>
-              <a:rPr lang="en-US" dirty="0" smtClean="0"/>
-              <a:t>() function to a separate file (in the same folder). </a:t>
-            </a:r>
-          </a:p>
-          <a:p>
-            <a:pPr lvl="1"/>
-            <a:r>
-              <a:rPr lang="en-US" dirty="0" smtClean="0"/>
-              <a:t>Call your file “</a:t>
-            </a:r>
-            <a:r>
-              <a:rPr lang="en-US" dirty="0" err="1" smtClean="0"/>
-              <a:t>shared.py</a:t>
-            </a:r>
-            <a:r>
-              <a:rPr lang="en-US" dirty="0" smtClean="0"/>
-              <a:t>”.</a:t>
-            </a:r>
-          </a:p>
-          <a:p>
-            <a:endParaRPr lang="en-US" dirty="0" smtClean="0"/>
-          </a:p>
-          <a:p>
-            <a:r>
-              <a:rPr lang="en-US" dirty="0" smtClean="0"/>
-              <a:t>How can you call </a:t>
-            </a:r>
-            <a:r>
-              <a:rPr lang="en-US" dirty="0" err="1" smtClean="0"/>
-              <a:t>return_verified_value</a:t>
-            </a:r>
-            <a:r>
-              <a:rPr lang="en-US" dirty="0" smtClean="0"/>
+              <a:rPr lang="en-US" dirty="0"/>
               <a:t>() now?</a:t>
             </a:r>
           </a:p>
           <a:p>
-            <a:endParaRPr lang="en-US" dirty="0" smtClean="0"/>
-          </a:p>
-          <a:p>
-            <a:r>
-              <a:rPr lang="en-US" dirty="0" smtClean="0"/>
+            <a:endParaRPr lang="en-US" dirty="0"/>
+          </a:p>
+          <a:p>
+            <a:r>
+              <a:rPr lang="en-US" dirty="0"/>
               <a:t>What happens in the folder when you run your program?</a:t>
             </a:r>
+          </a:p>
+          <a:p>
             <a:endParaRPr lang="en-US" dirty="0"/>
           </a:p>
           <a:p>
-            <a:endParaRPr lang="en-US" dirty="0"/>
-          </a:p>
-          <a:p>
-            <a:r>
-              <a:rPr lang="en-US" dirty="0" smtClean="0"/>
+            <a:r>
+              <a:rPr lang="en-US" dirty="0"/>
               <a:t>What can </a:t>
             </a:r>
             <a:r>
-              <a:rPr lang="en-US" dirty="0" err="1" smtClean="0">
+              <a:rPr lang="en-US" dirty="0" err="1">
                 <a:latin typeface="Consolas" charset="0"/>
                 <a:ea typeface="Consolas" charset="0"/>
                 <a:cs typeface="Consolas" charset="0"/>
@@ -4954,7 +4890,7 @@
               <a:t>pydoc</a:t>
             </a:r>
             <a:r>
-              <a:rPr lang="en-US" dirty="0" smtClean="0"/>
+              <a:rPr lang="en-US" dirty="0"/>
               <a:t> tell you about your new file?</a:t>
             </a:r>
           </a:p>

--- a/Python Level 2/Lesson 2/Session 2.pptx
+++ b/Python Level 2/Lesson 2/Session 2.pptx
@@ -251,7 +251,7 @@
           <a:p>
             <a:fld id="{F86DE704-5A85-4041-9FC6-7273780BCBF6}" type="datetimeFigureOut">
               <a:rPr lang="en-US" smtClean="0"/>
-              <a:t>5/23/18</a:t>
+              <a:t>10/2/18</a:t>
             </a:fld>
             <a:endParaRPr lang="en-US"/>
           </a:p>
@@ -419,7 +419,7 @@
           <a:p>
             <a:fld id="{F86DE704-5A85-4041-9FC6-7273780BCBF6}" type="datetimeFigureOut">
               <a:rPr lang="en-US" smtClean="0"/>
-              <a:t>5/23/18</a:t>
+              <a:t>10/2/18</a:t>
             </a:fld>
             <a:endParaRPr lang="en-US"/>
           </a:p>
@@ -597,7 +597,7 @@
           <a:p>
             <a:fld id="{F86DE704-5A85-4041-9FC6-7273780BCBF6}" type="datetimeFigureOut">
               <a:rPr lang="en-US" smtClean="0"/>
-              <a:t>5/23/18</a:t>
+              <a:t>10/2/18</a:t>
             </a:fld>
             <a:endParaRPr lang="en-US"/>
           </a:p>
@@ -765,7 +765,7 @@
           <a:p>
             <a:fld id="{F86DE704-5A85-4041-9FC6-7273780BCBF6}" type="datetimeFigureOut">
               <a:rPr lang="en-US" smtClean="0"/>
-              <a:t>5/23/18</a:t>
+              <a:t>10/2/18</a:t>
             </a:fld>
             <a:endParaRPr lang="en-US"/>
           </a:p>
@@ -1010,7 +1010,7 @@
           <a:p>
             <a:fld id="{F86DE704-5A85-4041-9FC6-7273780BCBF6}" type="datetimeFigureOut">
               <a:rPr lang="en-US" smtClean="0"/>
-              <a:t>5/23/18</a:t>
+              <a:t>10/2/18</a:t>
             </a:fld>
             <a:endParaRPr lang="en-US"/>
           </a:p>
@@ -1239,7 +1239,7 @@
           <a:p>
             <a:fld id="{F86DE704-5A85-4041-9FC6-7273780BCBF6}" type="datetimeFigureOut">
               <a:rPr lang="en-US" smtClean="0"/>
-              <a:t>5/23/18</a:t>
+              <a:t>10/2/18</a:t>
             </a:fld>
             <a:endParaRPr lang="en-US"/>
           </a:p>
@@ -1603,7 +1603,7 @@
           <a:p>
             <a:fld id="{F86DE704-5A85-4041-9FC6-7273780BCBF6}" type="datetimeFigureOut">
               <a:rPr lang="en-US" smtClean="0"/>
-              <a:t>5/23/18</a:t>
+              <a:t>10/2/18</a:t>
             </a:fld>
             <a:endParaRPr lang="en-US"/>
           </a:p>
@@ -1720,7 +1720,7 @@
           <a:p>
             <a:fld id="{F86DE704-5A85-4041-9FC6-7273780BCBF6}" type="datetimeFigureOut">
               <a:rPr lang="en-US" smtClean="0"/>
-              <a:t>5/23/18</a:t>
+              <a:t>10/2/18</a:t>
             </a:fld>
             <a:endParaRPr lang="en-US"/>
           </a:p>
@@ -1815,7 +1815,7 @@
           <a:p>
             <a:fld id="{F86DE704-5A85-4041-9FC6-7273780BCBF6}" type="datetimeFigureOut">
               <a:rPr lang="en-US" smtClean="0"/>
-              <a:t>5/23/18</a:t>
+              <a:t>10/2/18</a:t>
             </a:fld>
             <a:endParaRPr lang="en-US"/>
           </a:p>
@@ -2090,7 +2090,7 @@
           <a:p>
             <a:fld id="{F86DE704-5A85-4041-9FC6-7273780BCBF6}" type="datetimeFigureOut">
               <a:rPr lang="en-US" smtClean="0"/>
-              <a:t>5/23/18</a:t>
+              <a:t>10/2/18</a:t>
             </a:fld>
             <a:endParaRPr lang="en-US"/>
           </a:p>
@@ -2342,7 +2342,7 @@
           <a:p>
             <a:fld id="{F86DE704-5A85-4041-9FC6-7273780BCBF6}" type="datetimeFigureOut">
               <a:rPr lang="en-US" smtClean="0"/>
-              <a:t>5/23/18</a:t>
+              <a:t>10/2/18</a:t>
             </a:fld>
             <a:endParaRPr lang="en-US"/>
           </a:p>
@@ -2553,7 +2553,7 @@
           <a:p>
             <a:fld id="{F86DE704-5A85-4041-9FC6-7273780BCBF6}" type="datetimeFigureOut">
               <a:rPr lang="en-US" smtClean="0"/>
-              <a:t>5/23/18</a:t>
+              <a:t>10/2/18</a:t>
             </a:fld>
             <a:endParaRPr lang="en-US"/>
           </a:p>
@@ -3534,36 +3534,6 @@
           </a:prstGeom>
         </p:spPr>
       </p:pic>
-      <p:sp>
-        <p:nvSpPr>
-          <p:cNvPr id="6" name="TextBox 5"/>
-          <p:cNvSpPr txBox="1"/>
-          <p:nvPr/>
-        </p:nvSpPr>
-        <p:spPr>
-          <a:xfrm>
-            <a:off x="790532" y="6127234"/>
-            <a:ext cx="10112649" cy="369332"/>
-          </a:xfrm>
-          <a:prstGeom prst="rect">
-            <a:avLst/>
-          </a:prstGeom>
-          <a:noFill/>
-        </p:spPr>
-        <p:txBody>
-          <a:bodyPr wrap="square" rtlCol="0">
-            <a:spAutoFit/>
-          </a:bodyPr>
-          <a:lstStyle/>
-          <a:p>
-            <a:pPr algn="ctr"/>
-            <a:r>
-              <a:rPr lang="en-US" strike="sngStrike" dirty="0"/>
-              <a:t>Questions? Comments? Come see us in S32, on Monday, 11:00 – 12:00</a:t>
-            </a:r>
-          </a:p>
-        </p:txBody>
-      </p:sp>
     </p:spTree>
     <p:extLst>
       <p:ext uri="{BB962C8B-B14F-4D97-AF65-F5344CB8AC3E}">
@@ -3617,100 +3587,73 @@
           </a:p>
         </p:txBody>
       </p:sp>
+      <p:sp>
+        <p:nvSpPr>
+          <p:cNvPr id="5" name="TextBox 4"/>
+          <p:cNvSpPr txBox="1"/>
+          <p:nvPr/>
+        </p:nvSpPr>
+        <p:spPr>
+          <a:xfrm>
+            <a:off x="2238114" y="5950077"/>
+            <a:ext cx="7715767" cy="523220"/>
+          </a:xfrm>
+          <a:prstGeom prst="rect">
+            <a:avLst/>
+          </a:prstGeom>
+          <a:noFill/>
+        </p:spPr>
+        <p:txBody>
+          <a:bodyPr wrap="none" rtlCol="0">
+            <a:spAutoFit/>
+          </a:bodyPr>
+          <a:lstStyle/>
+          <a:p>
+            <a:r>
+              <a:rPr lang="en-US" sz="2800" dirty="0"/>
+              <a:t>Missed Last week? http://</a:t>
+            </a:r>
+            <a:r>
+              <a:rPr lang="en-US" sz="2800" dirty="0" err="1"/>
+              <a:t>eca</a:t>
+            </a:r>
+            <a:r>
+              <a:rPr lang="en-US" sz="2800" dirty="0"/>
+              <a:t>-python/level2lesson2</a:t>
+            </a:r>
+          </a:p>
+        </p:txBody>
+      </p:sp>
       <p:pic>
         <p:nvPicPr>
-          <p:cNvPr id="7" name="Picture 6"/>
+          <p:cNvPr id="6" name="Picture 5">
+            <a:extLst>
+              <a:ext uri="{FF2B5EF4-FFF2-40B4-BE49-F238E27FC236}">
+                <a16:creationId xmlns:a16="http://schemas.microsoft.com/office/drawing/2014/main" id="{8369C7D2-0E36-E84F-84F9-1E998CE5C503}"/>
+              </a:ext>
+            </a:extLst>
+          </p:cNvPr>
           <p:cNvPicPr>
             <a:picLocks noChangeAspect="1"/>
           </p:cNvPicPr>
           <p:nvPr/>
         </p:nvPicPr>
         <p:blipFill>
-          <a:blip r:embed="rId2">
-            <a:extLst>
-              <a:ext uri="{28A0092B-C50C-407E-A947-70E740481C1C}">
-                <a14:useLocalDpi xmlns:a14="http://schemas.microsoft.com/office/drawing/2010/main" val="0"/>
-              </a:ext>
-            </a:extLst>
-          </a:blip>
+          <a:blip r:embed="rId2"/>
           <a:stretch>
             <a:fillRect/>
           </a:stretch>
         </p:blipFill>
         <p:spPr>
           <a:xfrm>
-            <a:off x="1210991" y="1652926"/>
-            <a:ext cx="9770017" cy="3747843"/>
+            <a:off x="1441046" y="1435374"/>
+            <a:ext cx="9309905" cy="4165660"/>
           </a:xfrm>
           <a:prstGeom prst="rect">
             <a:avLst/>
           </a:prstGeom>
         </p:spPr>
       </p:pic>
-      <p:pic>
-        <p:nvPicPr>
-          <p:cNvPr id="4" name="Picture 3"/>
-          <p:cNvPicPr>
-            <a:picLocks noChangeAspect="1"/>
-          </p:cNvPicPr>
-          <p:nvPr/>
-        </p:nvPicPr>
-        <p:blipFill>
-          <a:blip r:embed="rId3">
-            <a:extLst>
-              <a:ext uri="{28A0092B-C50C-407E-A947-70E740481C1C}">
-                <a14:useLocalDpi xmlns:a14="http://schemas.microsoft.com/office/drawing/2010/main" val="0"/>
-              </a:ext>
-            </a:extLst>
-          </a:blip>
-          <a:stretch>
-            <a:fillRect/>
-          </a:stretch>
-        </p:blipFill>
-        <p:spPr>
-          <a:xfrm>
-            <a:off x="9801412" y="4624575"/>
-            <a:ext cx="1552388" cy="1552388"/>
-          </a:xfrm>
-          <a:prstGeom prst="rect">
-            <a:avLst/>
-          </a:prstGeom>
-        </p:spPr>
-      </p:pic>
-      <p:sp>
-        <p:nvSpPr>
-          <p:cNvPr id="5" name="TextBox 4"/>
-          <p:cNvSpPr txBox="1"/>
-          <p:nvPr/>
-        </p:nvSpPr>
-        <p:spPr>
-          <a:xfrm>
-            <a:off x="3286223" y="5915353"/>
-            <a:ext cx="5619552" cy="523220"/>
-          </a:xfrm>
-          <a:prstGeom prst="rect">
-            <a:avLst/>
-          </a:prstGeom>
-          <a:noFill/>
-        </p:spPr>
-        <p:txBody>
-          <a:bodyPr wrap="none" rtlCol="0">
-            <a:spAutoFit/>
-          </a:bodyPr>
-          <a:lstStyle/>
-          <a:p>
-            <a:r>
-              <a:rPr lang="en-US" sz="2800" dirty="0"/>
-              <a:t>Missed Last week? http://go/</a:t>
-            </a:r>
-            <a:r>
-              <a:rPr lang="en-US" sz="2800" dirty="0" err="1"/>
-              <a:t>zxvnojrf</a:t>
-            </a:r>
-            <a:endParaRPr lang="en-US" sz="2800" dirty="0"/>
-          </a:p>
-        </p:txBody>
-      </p:sp>
     </p:spTree>
     <p:extLst>
       <p:ext uri="{BB962C8B-B14F-4D97-AF65-F5344CB8AC3E}">
@@ -4004,28 +3947,28 @@
       </p:pic>
       <p:pic>
         <p:nvPicPr>
-          <p:cNvPr id="6" name="Picture 5"/>
+          <p:cNvPr id="8" name="Picture 7">
+            <a:extLst>
+              <a:ext uri="{FF2B5EF4-FFF2-40B4-BE49-F238E27FC236}">
+                <a16:creationId xmlns:a16="http://schemas.microsoft.com/office/drawing/2014/main" id="{3F1ED81E-00D0-9D46-B0A9-A50DEB1CD877}"/>
+              </a:ext>
+            </a:extLst>
+          </p:cNvPr>
           <p:cNvPicPr>
             <a:picLocks noChangeAspect="1"/>
           </p:cNvPicPr>
           <p:nvPr/>
         </p:nvPicPr>
         <p:blipFill>
-          <a:blip r:embed="rId4">
-            <a:extLst>
-              <a:ext uri="{28A0092B-C50C-407E-A947-70E740481C1C}">
-                <a14:useLocalDpi xmlns:a14="http://schemas.microsoft.com/office/drawing/2010/main" val="0"/>
-              </a:ext>
-            </a:extLst>
-          </a:blip>
+          <a:blip r:embed="rId4"/>
           <a:stretch>
             <a:fillRect/>
           </a:stretch>
         </p:blipFill>
         <p:spPr>
           <a:xfrm>
-            <a:off x="774700" y="2298700"/>
-            <a:ext cx="10629900" cy="2247900"/>
+            <a:off x="787400" y="2257129"/>
+            <a:ext cx="10706582" cy="2299978"/>
           </a:xfrm>
           <a:prstGeom prst="rect">
             <a:avLst/>
@@ -4269,7 +4212,7 @@
         <p:spPr>
           <a:xfrm>
             <a:off x="838200" y="4624575"/>
-            <a:ext cx="8963212" cy="1754326"/>
+            <a:ext cx="8963212" cy="2308324"/>
           </a:xfrm>
           <a:prstGeom prst="rect">
             <a:avLst/>
@@ -4332,7 +4275,7 @@
             </a:pPr>
             <a:r>
               <a:rPr lang="en-US" dirty="0"/>
-              <a:t>What does the last line do?</a:t>
+              <a:t>What do the last two lines do?</a:t>
             </a:r>
           </a:p>
           <a:p>
@@ -4349,7 +4292,7 @@
             </a:pPr>
             <a:r>
               <a:rPr lang="en-US" dirty="0"/>
-              <a:t>There’s one major advantage gain by using a dictionary as a case statement. What is it?</a:t>
+              <a:t>Functions are stored in variables – just like values!</a:t>
             </a:r>
           </a:p>
           <a:p>
@@ -4359,11 +4302,34 @@
             </a:pPr>
             <a:endParaRPr lang="en-US" dirty="0"/>
           </a:p>
+          <a:p>
+            <a:pPr marL="285750" indent="-285750">
+              <a:buFont typeface="Arial" charset="0"/>
+              <a:buChar char="•"/>
+            </a:pPr>
+            <a:r>
+              <a:rPr lang="en-US" dirty="0"/>
+              <a:t>There’s one major advantage gain by using a dictionary as a case statement. What is it?</a:t>
+            </a:r>
+          </a:p>
+          <a:p>
+            <a:pPr marL="285750" indent="-285750">
+              <a:buFont typeface="Arial" charset="0"/>
+              <a:buChar char="•"/>
+            </a:pPr>
+            <a:endParaRPr lang="en-US" dirty="0"/>
+          </a:p>
         </p:txBody>
       </p:sp>
       <p:pic>
         <p:nvPicPr>
-          <p:cNvPr id="12" name="Content Placeholder 11"/>
+          <p:cNvPr id="6" name="Content Placeholder 5">
+            <a:extLst>
+              <a:ext uri="{FF2B5EF4-FFF2-40B4-BE49-F238E27FC236}">
+                <a16:creationId xmlns:a16="http://schemas.microsoft.com/office/drawing/2014/main" id="{575249D4-C99A-C74E-8F86-660900F2B6E3}"/>
+              </a:ext>
+            </a:extLst>
+          </p:cNvPr>
           <p:cNvPicPr>
             <a:picLocks noGrp="1" noChangeAspect="1"/>
           </p:cNvPicPr>
@@ -4372,21 +4338,15 @@
           </p:nvPr>
         </p:nvPicPr>
         <p:blipFill>
-          <a:blip r:embed="rId3">
-            <a:extLst>
-              <a:ext uri="{28A0092B-C50C-407E-A947-70E740481C1C}">
-                <a14:useLocalDpi xmlns:a14="http://schemas.microsoft.com/office/drawing/2010/main" val="0"/>
-              </a:ext>
-            </a:extLst>
-          </a:blip>
+          <a:blip r:embed="rId3"/>
           <a:stretch>
             <a:fillRect/>
           </a:stretch>
         </p:blipFill>
         <p:spPr>
           <a:xfrm>
-            <a:off x="838200" y="1567722"/>
-            <a:ext cx="10515600" cy="2667000"/>
+            <a:off x="838200" y="1614807"/>
+            <a:ext cx="10515600" cy="2807830"/>
           </a:xfrm>
         </p:spPr>
       </p:pic>
@@ -4445,35 +4405,6 @@
       </p:sp>
       <p:pic>
         <p:nvPicPr>
-          <p:cNvPr id="6" name="Content Placeholder 5"/>
-          <p:cNvPicPr>
-            <a:picLocks noGrp="1" noChangeAspect="1"/>
-          </p:cNvPicPr>
-          <p:nvPr>
-            <p:ph idx="1"/>
-          </p:nvPr>
-        </p:nvPicPr>
-        <p:blipFill>
-          <a:blip r:embed="rId2">
-            <a:extLst>
-              <a:ext uri="{28A0092B-C50C-407E-A947-70E740481C1C}">
-                <a14:useLocalDpi xmlns:a14="http://schemas.microsoft.com/office/drawing/2010/main" val="0"/>
-              </a:ext>
-            </a:extLst>
-          </a:blip>
-          <a:stretch>
-            <a:fillRect/>
-          </a:stretch>
-        </p:blipFill>
-        <p:spPr>
-          <a:xfrm>
-            <a:off x="838200" y="1690688"/>
-            <a:ext cx="10515600" cy="3092115"/>
-          </a:xfrm>
-        </p:spPr>
-      </p:pic>
-      <p:pic>
-        <p:nvPicPr>
           <p:cNvPr id="7" name="Picture 6"/>
           <p:cNvPicPr>
             <a:picLocks noChangeAspect="1"/>
@@ -4481,7 +4412,7 @@
           <p:nvPr/>
         </p:nvPicPr>
         <p:blipFill>
-          <a:blip r:embed="rId3">
+          <a:blip r:embed="rId2">
             <a:extLst>
               <a:ext uri="{28A0092B-C50C-407E-A947-70E740481C1C}">
                 <a14:useLocalDpi xmlns:a14="http://schemas.microsoft.com/office/drawing/2010/main" val="0"/>
@@ -4531,6 +4462,35 @@
           </a:p>
         </p:txBody>
       </p:sp>
+      <p:pic>
+        <p:nvPicPr>
+          <p:cNvPr id="8" name="Content Placeholder 7">
+            <a:extLst>
+              <a:ext uri="{FF2B5EF4-FFF2-40B4-BE49-F238E27FC236}">
+                <a16:creationId xmlns:a16="http://schemas.microsoft.com/office/drawing/2014/main" id="{B87475DA-332B-D344-B2A8-86749FB47286}"/>
+              </a:ext>
+            </a:extLst>
+          </p:cNvPr>
+          <p:cNvPicPr>
+            <a:picLocks noGrp="1" noChangeAspect="1"/>
+          </p:cNvPicPr>
+          <p:nvPr>
+            <p:ph idx="1"/>
+          </p:nvPr>
+        </p:nvPicPr>
+        <p:blipFill>
+          <a:blip r:embed="rId3"/>
+          <a:stretch>
+            <a:fillRect/>
+          </a:stretch>
+        </p:blipFill>
+        <p:spPr>
+          <a:xfrm>
+            <a:off x="838200" y="2046647"/>
+            <a:ext cx="10515600" cy="2221969"/>
+          </a:xfrm>
+        </p:spPr>
+      </p:pic>
     </p:spTree>
     <p:extLst>
       <p:ext uri="{BB962C8B-B14F-4D97-AF65-F5344CB8AC3E}">

--- a/Python Level 2/Lesson 2/Session 2.pptx
+++ b/Python Level 2/Lesson 2/Session 2.pptx
@@ -3047,50 +3047,6 @@
           </a:p>
         </p:txBody>
       </p:sp>
-      <p:sp>
-        <p:nvSpPr>
-          <p:cNvPr id="3" name="Rectangle 2"/>
-          <p:cNvSpPr/>
-          <p:nvPr/>
-        </p:nvSpPr>
-        <p:spPr>
-          <a:xfrm>
-            <a:off x="5646197" y="3244334"/>
-            <a:ext cx="899605" cy="369332"/>
-          </a:xfrm>
-          <a:prstGeom prst="rect">
-            <a:avLst/>
-          </a:prstGeom>
-        </p:spPr>
-        <p:txBody>
-          <a:bodyPr wrap="none">
-            <a:spAutoFit/>
-          </a:bodyPr>
-          <a:lstStyle/>
-          <a:p>
-            <a:pPr fontAlgn="base">
-              <a:buFont typeface="Arial" charset="0"/>
-              <a:buChar char="•"/>
-            </a:pPr>
-            <a:r>
-              <a:rPr lang="hr-HR" b="1" dirty="0">
-                <a:solidFill>
-                  <a:srgbClr val="666666"/>
-                </a:solidFill>
-                <a:latin typeface="inherit" charset="0"/>
-              </a:rPr>
-              <a:t>882.33</a:t>
-            </a:r>
-            <a:endParaRPr lang="hr-HR" b="1" i="0" dirty="0">
-              <a:solidFill>
-                <a:srgbClr val="666666"/>
-              </a:solidFill>
-              <a:effectLst/>
-              <a:latin typeface="inherit" charset="0"/>
-            </a:endParaRPr>
-          </a:p>
-        </p:txBody>
-      </p:sp>
     </p:spTree>
     <p:extLst>
       <p:ext uri="{BB962C8B-B14F-4D97-AF65-F5344CB8AC3E}">
